--- a/PPTs/arabidopsis_hrgp_flowchart_YL.pptx
+++ b/PPTs/arabidopsis_hrgp_flowchart_YL.pptx
@@ -259,7 +259,7 @@
           <a:p>
             <a:fld id="{00C69C10-72A0-4DBC-950B-1125FD0B0E8A}" type="datetimeFigureOut">
               <a:rPr lang="en-US" smtClean="0"/>
-              <a:t>10/2/2018</a:t>
+              <a:t>3/31/2019</a:t>
             </a:fld>
             <a:endParaRPr lang="en-US"/>
           </a:p>
@@ -457,7 +457,7 @@
           <a:p>
             <a:fld id="{00C69C10-72A0-4DBC-950B-1125FD0B0E8A}" type="datetimeFigureOut">
               <a:rPr lang="en-US" smtClean="0"/>
-              <a:t>10/2/2018</a:t>
+              <a:t>3/31/2019</a:t>
             </a:fld>
             <a:endParaRPr lang="en-US"/>
           </a:p>
@@ -665,7 +665,7 @@
           <a:p>
             <a:fld id="{00C69C10-72A0-4DBC-950B-1125FD0B0E8A}" type="datetimeFigureOut">
               <a:rPr lang="en-US" smtClean="0"/>
-              <a:t>10/2/2018</a:t>
+              <a:t>3/31/2019</a:t>
             </a:fld>
             <a:endParaRPr lang="en-US"/>
           </a:p>
@@ -863,7 +863,7 @@
           <a:p>
             <a:fld id="{00C69C10-72A0-4DBC-950B-1125FD0B0E8A}" type="datetimeFigureOut">
               <a:rPr lang="en-US" smtClean="0"/>
-              <a:t>10/2/2018</a:t>
+              <a:t>3/31/2019</a:t>
             </a:fld>
             <a:endParaRPr lang="en-US"/>
           </a:p>
@@ -1138,7 +1138,7 @@
           <a:p>
             <a:fld id="{00C69C10-72A0-4DBC-950B-1125FD0B0E8A}" type="datetimeFigureOut">
               <a:rPr lang="en-US" smtClean="0"/>
-              <a:t>10/2/2018</a:t>
+              <a:t>3/31/2019</a:t>
             </a:fld>
             <a:endParaRPr lang="en-US"/>
           </a:p>
@@ -1403,7 +1403,7 @@
           <a:p>
             <a:fld id="{00C69C10-72A0-4DBC-950B-1125FD0B0E8A}" type="datetimeFigureOut">
               <a:rPr lang="en-US" smtClean="0"/>
-              <a:t>10/2/2018</a:t>
+              <a:t>3/31/2019</a:t>
             </a:fld>
             <a:endParaRPr lang="en-US"/>
           </a:p>
@@ -1815,7 +1815,7 @@
           <a:p>
             <a:fld id="{00C69C10-72A0-4DBC-950B-1125FD0B0E8A}" type="datetimeFigureOut">
               <a:rPr lang="en-US" smtClean="0"/>
-              <a:t>10/2/2018</a:t>
+              <a:t>3/31/2019</a:t>
             </a:fld>
             <a:endParaRPr lang="en-US"/>
           </a:p>
@@ -1956,7 +1956,7 @@
           <a:p>
             <a:fld id="{00C69C10-72A0-4DBC-950B-1125FD0B0E8A}" type="datetimeFigureOut">
               <a:rPr lang="en-US" smtClean="0"/>
-              <a:t>10/2/2018</a:t>
+              <a:t>3/31/2019</a:t>
             </a:fld>
             <a:endParaRPr lang="en-US"/>
           </a:p>
@@ -2069,7 +2069,7 @@
           <a:p>
             <a:fld id="{00C69C10-72A0-4DBC-950B-1125FD0B0E8A}" type="datetimeFigureOut">
               <a:rPr lang="en-US" smtClean="0"/>
-              <a:t>10/2/2018</a:t>
+              <a:t>3/31/2019</a:t>
             </a:fld>
             <a:endParaRPr lang="en-US"/>
           </a:p>
@@ -2380,7 +2380,7 @@
           <a:p>
             <a:fld id="{00C69C10-72A0-4DBC-950B-1125FD0B0E8A}" type="datetimeFigureOut">
               <a:rPr lang="en-US" smtClean="0"/>
-              <a:t>10/2/2018</a:t>
+              <a:t>3/31/2019</a:t>
             </a:fld>
             <a:endParaRPr lang="en-US"/>
           </a:p>
@@ -2668,7 +2668,7 @@
           <a:p>
             <a:fld id="{00C69C10-72A0-4DBC-950B-1125FD0B0E8A}" type="datetimeFigureOut">
               <a:rPr lang="en-US" smtClean="0"/>
-              <a:t>10/2/2018</a:t>
+              <a:t>3/31/2019</a:t>
             </a:fld>
             <a:endParaRPr lang="en-US"/>
           </a:p>
@@ -2909,7 +2909,7 @@
           <a:p>
             <a:fld id="{00C69C10-72A0-4DBC-950B-1125FD0B0E8A}" type="datetimeFigureOut">
               <a:rPr lang="en-US" smtClean="0"/>
-              <a:t>10/2/2018</a:t>
+              <a:t>3/31/2019</a:t>
             </a:fld>
             <a:endParaRPr lang="en-US"/>
           </a:p>
@@ -3774,7 +3774,7 @@
           <a:p>
             <a:r>
               <a:rPr lang="en-US" dirty="0"/>
-              <a:t>Select motifs present in &gt; 11 pollen-specific genes and in &lt; 31 non-pollen genes (12)</a:t>
+              <a:t>Select motifs present in &gt; 10 pollen-specific genes and in &lt; 30 non-pollen genes (13)</a:t>
             </a:r>
           </a:p>
         </p:txBody>
@@ -4593,7 +4593,7 @@
             </a:r>
             <a:r>
               <a:rPr lang="en-US" dirty="0"/>
-              <a:t>[19]</a:t>
+              <a:t>[19] (4)</a:t>
             </a:r>
           </a:p>
         </p:txBody>
@@ -4656,7 +4656,7 @@
         <p:spPr>
           <a:xfrm>
             <a:off x="3921591" y="5876121"/>
-            <a:ext cx="2335449" cy="369332"/>
+            <a:ext cx="2335449" cy="646331"/>
           </a:xfrm>
           <a:prstGeom prst="rect">
             <a:avLst/>
@@ -4676,7 +4676,7 @@
           <a:p>
             <a:r>
               <a:rPr lang="en-US" dirty="0"/>
-              <a:t>Conservation Analysis</a:t>
+              <a:t>Conservation Analysis (13)</a:t>
             </a:r>
           </a:p>
         </p:txBody>
